--- a/03. Computer Networks/PPTs/3.1. Routing – Shortest Path, Flooding, Distance Vector.pptx
+++ b/03. Computer Networks/PPTs/3.1. Routing – Shortest Path, Flooding, Distance Vector.pptx
@@ -237,7 +237,7 @@
           <a:p>
             <a:fld id="{B539C480-7B49-4288-9FB1-D7859A0D6D3E}" type="datetimeFigureOut">
               <a:rPr lang="en-US" smtClean="0"/>
-              <a:t>4/12/2020</a:t>
+              <a:t>4/19/2020</a:t>
             </a:fld>
             <a:endParaRPr lang="en-US"/>
           </a:p>
@@ -1062,7 +1062,7 @@
             <a:fld id="{1D8BD707-D9CF-40AE-B4C6-C98DA3205C09}" type="datetimeFigureOut">
               <a:rPr lang="en-US" smtClean="0"/>
               <a:pPr/>
-              <a:t>4/12/2020</a:t>
+              <a:t>4/19/2020</a:t>
             </a:fld>
             <a:endParaRPr lang="en-US"/>
           </a:p>
@@ -1227,7 +1227,7 @@
             <a:fld id="{1D8BD707-D9CF-40AE-B4C6-C98DA3205C09}" type="datetimeFigureOut">
               <a:rPr lang="en-US" smtClean="0"/>
               <a:pPr/>
-              <a:t>4/12/2020</a:t>
+              <a:t>4/19/2020</a:t>
             </a:fld>
             <a:endParaRPr lang="en-US"/>
           </a:p>
@@ -1402,7 +1402,7 @@
             <a:fld id="{1D8BD707-D9CF-40AE-B4C6-C98DA3205C09}" type="datetimeFigureOut">
               <a:rPr lang="en-US" smtClean="0"/>
               <a:pPr/>
-              <a:t>4/12/2020</a:t>
+              <a:t>4/19/2020</a:t>
             </a:fld>
             <a:endParaRPr lang="en-US"/>
           </a:p>
@@ -1598,7 +1598,7 @@
             <a:fld id="{1D8BD707-D9CF-40AE-B4C6-C98DA3205C09}" type="datetimeFigureOut">
               <a:rPr lang="en-US" smtClean="0"/>
               <a:pPr/>
-              <a:t>4/12/2020</a:t>
+              <a:t>4/19/2020</a:t>
             </a:fld>
             <a:endParaRPr lang="en-US"/>
           </a:p>
@@ -1840,7 +1840,7 @@
             <a:fld id="{1D8BD707-D9CF-40AE-B4C6-C98DA3205C09}" type="datetimeFigureOut">
               <a:rPr lang="en-US" smtClean="0"/>
               <a:pPr/>
-              <a:t>4/12/2020</a:t>
+              <a:t>4/19/2020</a:t>
             </a:fld>
             <a:endParaRPr lang="en-US"/>
           </a:p>
@@ -2122,7 +2122,7 @@
             <a:fld id="{1D8BD707-D9CF-40AE-B4C6-C98DA3205C09}" type="datetimeFigureOut">
               <a:rPr lang="en-US" smtClean="0"/>
               <a:pPr/>
-              <a:t>4/12/2020</a:t>
+              <a:t>4/19/2020</a:t>
             </a:fld>
             <a:endParaRPr lang="en-US"/>
           </a:p>
@@ -2538,7 +2538,7 @@
             <a:fld id="{1D8BD707-D9CF-40AE-B4C6-C98DA3205C09}" type="datetimeFigureOut">
               <a:rPr lang="en-US" smtClean="0"/>
               <a:pPr/>
-              <a:t>4/12/2020</a:t>
+              <a:t>4/19/2020</a:t>
             </a:fld>
             <a:endParaRPr lang="en-US"/>
           </a:p>
@@ -2652,7 +2652,7 @@
             <a:fld id="{1D8BD707-D9CF-40AE-B4C6-C98DA3205C09}" type="datetimeFigureOut">
               <a:rPr lang="en-US" smtClean="0"/>
               <a:pPr/>
-              <a:t>4/12/2020</a:t>
+              <a:t>4/19/2020</a:t>
             </a:fld>
             <a:endParaRPr lang="en-US"/>
           </a:p>
@@ -2744,7 +2744,7 @@
             <a:fld id="{1D8BD707-D9CF-40AE-B4C6-C98DA3205C09}" type="datetimeFigureOut">
               <a:rPr lang="en-US" smtClean="0"/>
               <a:pPr/>
-              <a:t>4/12/2020</a:t>
+              <a:t>4/19/2020</a:t>
             </a:fld>
             <a:endParaRPr lang="en-US"/>
           </a:p>
@@ -3016,7 +3016,7 @@
             <a:fld id="{1D8BD707-D9CF-40AE-B4C6-C98DA3205C09}" type="datetimeFigureOut">
               <a:rPr lang="en-US" smtClean="0"/>
               <a:pPr/>
-              <a:t>4/12/2020</a:t>
+              <a:t>4/19/2020</a:t>
             </a:fld>
             <a:endParaRPr lang="en-US"/>
           </a:p>
@@ -3265,7 +3265,7 @@
             <a:fld id="{1D8BD707-D9CF-40AE-B4C6-C98DA3205C09}" type="datetimeFigureOut">
               <a:rPr lang="en-US" smtClean="0"/>
               <a:pPr/>
-              <a:t>4/12/2020</a:t>
+              <a:t>4/19/2020</a:t>
             </a:fld>
             <a:endParaRPr lang="en-US"/>
           </a:p>
@@ -3473,7 +3473,7 @@
             <a:fld id="{1D8BD707-D9CF-40AE-B4C6-C98DA3205C09}" type="datetimeFigureOut">
               <a:rPr lang="en-US" smtClean="0"/>
               <a:pPr/>
-              <a:t>4/12/2020</a:t>
+              <a:t>4/19/2020</a:t>
             </a:fld>
             <a:endParaRPr lang="en-US"/>
           </a:p>
@@ -6522,7 +6522,7 @@
         <p:spPr>
           <a:xfrm>
             <a:off x="0" y="1417638"/>
-            <a:ext cx="8915400" cy="5440362"/>
+            <a:ext cx="8915400" cy="5059362"/>
           </a:xfrm>
         </p:spPr>
         <p:txBody>
@@ -6766,7 +6766,17 @@
             <a:pPr algn="just"/>
             <a:r>
               <a:rPr lang="en-US" dirty="0"/>
-              <a:t>Several algorithms for computing the shortest path between two nodes of a graph are known. One is Dijkstra.</a:t>
+              <a:t>Several algorithms for computing the shortest path between two nodes of a graph are known. One is </a:t>
+            </a:r>
+            <a:r>
+              <a:rPr lang="en-US" i="1" dirty="0">
+                <a:latin typeface="Garamond" panose="02020404030301010803" pitchFamily="18" charset="0"/>
+              </a:rPr>
+              <a:t>Dijkstra</a:t>
+            </a:r>
+            <a:r>
+              <a:rPr lang="en-US" dirty="0"/>
+              <a:t>.</a:t>
             </a:r>
           </a:p>
           <a:p>

--- a/03. Computer Networks/PPTs/3.1. Routing – Shortest Path, Flooding, Distance Vector.pptx
+++ b/03. Computer Networks/PPTs/3.1. Routing – Shortest Path, Flooding, Distance Vector.pptx
@@ -5,7 +5,7 @@
     <p:sldMasterId id="2147483648" r:id="rId1"/>
   </p:sldMasterIdLst>
   <p:notesMasterIdLst>
-    <p:notesMasterId r:id="rId32"/>
+    <p:notesMasterId r:id="rId33"/>
   </p:notesMasterIdLst>
   <p:sldIdLst>
     <p:sldId id="256" r:id="rId2"/>
@@ -18,26 +18,27 @@
     <p:sldId id="263" r:id="rId9"/>
     <p:sldId id="264" r:id="rId10"/>
     <p:sldId id="265" r:id="rId11"/>
-    <p:sldId id="266" r:id="rId12"/>
-    <p:sldId id="267" r:id="rId13"/>
-    <p:sldId id="268" r:id="rId14"/>
-    <p:sldId id="271" r:id="rId15"/>
-    <p:sldId id="269" r:id="rId16"/>
-    <p:sldId id="270" r:id="rId17"/>
-    <p:sldId id="272" r:id="rId18"/>
-    <p:sldId id="273" r:id="rId19"/>
-    <p:sldId id="274" r:id="rId20"/>
-    <p:sldId id="275" r:id="rId21"/>
-    <p:sldId id="276" r:id="rId22"/>
-    <p:sldId id="277" r:id="rId23"/>
-    <p:sldId id="279" r:id="rId24"/>
-    <p:sldId id="280" r:id="rId25"/>
-    <p:sldId id="281" r:id="rId26"/>
-    <p:sldId id="283" r:id="rId27"/>
-    <p:sldId id="284" r:id="rId28"/>
-    <p:sldId id="285" r:id="rId29"/>
-    <p:sldId id="286" r:id="rId30"/>
-    <p:sldId id="287" r:id="rId31"/>
+    <p:sldId id="288" r:id="rId12"/>
+    <p:sldId id="266" r:id="rId13"/>
+    <p:sldId id="267" r:id="rId14"/>
+    <p:sldId id="268" r:id="rId15"/>
+    <p:sldId id="271" r:id="rId16"/>
+    <p:sldId id="269" r:id="rId17"/>
+    <p:sldId id="270" r:id="rId18"/>
+    <p:sldId id="272" r:id="rId19"/>
+    <p:sldId id="273" r:id="rId20"/>
+    <p:sldId id="274" r:id="rId21"/>
+    <p:sldId id="275" r:id="rId22"/>
+    <p:sldId id="276" r:id="rId23"/>
+    <p:sldId id="277" r:id="rId24"/>
+    <p:sldId id="279" r:id="rId25"/>
+    <p:sldId id="280" r:id="rId26"/>
+    <p:sldId id="281" r:id="rId27"/>
+    <p:sldId id="283" r:id="rId28"/>
+    <p:sldId id="284" r:id="rId29"/>
+    <p:sldId id="285" r:id="rId30"/>
+    <p:sldId id="286" r:id="rId31"/>
+    <p:sldId id="287" r:id="rId32"/>
   </p:sldIdLst>
   <p:sldSz cx="9144000" cy="6858000" type="screen4x3"/>
   <p:notesSz cx="6858000" cy="9144000"/>
@@ -237,7 +238,7 @@
           <a:p>
             <a:fld id="{B539C480-7B49-4288-9FB1-D7859A0D6D3E}" type="datetimeFigureOut">
               <a:rPr lang="en-US" smtClean="0"/>
-              <a:t>4/19/2020</a:t>
+              <a:t>4/24/2020</a:t>
             </a:fld>
             <a:endParaRPr lang="en-US"/>
           </a:p>
@@ -689,7 +690,7 @@
           <a:p>
             <a:fld id="{48E35808-85F6-4C7D-97EA-572AAC06C615}" type="slidenum">
               <a:rPr lang="en-US" smtClean="0"/>
-              <a:t>11</a:t>
+              <a:t>12</a:t>
             </a:fld>
             <a:endParaRPr lang="en-US"/>
           </a:p>
@@ -779,7 +780,7 @@
           <a:p>
             <a:fld id="{48E35808-85F6-4C7D-97EA-572AAC06C615}" type="slidenum">
               <a:rPr lang="en-US" smtClean="0"/>
-              <a:t>17</a:t>
+              <a:t>18</a:t>
             </a:fld>
             <a:endParaRPr lang="en-US"/>
           </a:p>
@@ -863,7 +864,7 @@
           <a:p>
             <a:fld id="{48E35808-85F6-4C7D-97EA-572AAC06C615}" type="slidenum">
               <a:rPr lang="en-US" smtClean="0"/>
-              <a:t>21</a:t>
+              <a:t>22</a:t>
             </a:fld>
             <a:endParaRPr lang="en-US"/>
           </a:p>
@@ -1062,7 +1063,7 @@
             <a:fld id="{1D8BD707-D9CF-40AE-B4C6-C98DA3205C09}" type="datetimeFigureOut">
               <a:rPr lang="en-US" smtClean="0"/>
               <a:pPr/>
-              <a:t>4/19/2020</a:t>
+              <a:t>4/24/2020</a:t>
             </a:fld>
             <a:endParaRPr lang="en-US"/>
           </a:p>
@@ -1227,7 +1228,7 @@
             <a:fld id="{1D8BD707-D9CF-40AE-B4C6-C98DA3205C09}" type="datetimeFigureOut">
               <a:rPr lang="en-US" smtClean="0"/>
               <a:pPr/>
-              <a:t>4/19/2020</a:t>
+              <a:t>4/24/2020</a:t>
             </a:fld>
             <a:endParaRPr lang="en-US"/>
           </a:p>
@@ -1402,7 +1403,7 @@
             <a:fld id="{1D8BD707-D9CF-40AE-B4C6-C98DA3205C09}" type="datetimeFigureOut">
               <a:rPr lang="en-US" smtClean="0"/>
               <a:pPr/>
-              <a:t>4/19/2020</a:t>
+              <a:t>4/24/2020</a:t>
             </a:fld>
             <a:endParaRPr lang="en-US"/>
           </a:p>
@@ -1598,7 +1599,7 @@
             <a:fld id="{1D8BD707-D9CF-40AE-B4C6-C98DA3205C09}" type="datetimeFigureOut">
               <a:rPr lang="en-US" smtClean="0"/>
               <a:pPr/>
-              <a:t>4/19/2020</a:t>
+              <a:t>4/24/2020</a:t>
             </a:fld>
             <a:endParaRPr lang="en-US"/>
           </a:p>
@@ -1840,7 +1841,7 @@
             <a:fld id="{1D8BD707-D9CF-40AE-B4C6-C98DA3205C09}" type="datetimeFigureOut">
               <a:rPr lang="en-US" smtClean="0"/>
               <a:pPr/>
-              <a:t>4/19/2020</a:t>
+              <a:t>4/24/2020</a:t>
             </a:fld>
             <a:endParaRPr lang="en-US"/>
           </a:p>
@@ -2122,7 +2123,7 @@
             <a:fld id="{1D8BD707-D9CF-40AE-B4C6-C98DA3205C09}" type="datetimeFigureOut">
               <a:rPr lang="en-US" smtClean="0"/>
               <a:pPr/>
-              <a:t>4/19/2020</a:t>
+              <a:t>4/24/2020</a:t>
             </a:fld>
             <a:endParaRPr lang="en-US"/>
           </a:p>
@@ -2538,7 +2539,7 @@
             <a:fld id="{1D8BD707-D9CF-40AE-B4C6-C98DA3205C09}" type="datetimeFigureOut">
               <a:rPr lang="en-US" smtClean="0"/>
               <a:pPr/>
-              <a:t>4/19/2020</a:t>
+              <a:t>4/24/2020</a:t>
             </a:fld>
             <a:endParaRPr lang="en-US"/>
           </a:p>
@@ -2652,7 +2653,7 @@
             <a:fld id="{1D8BD707-D9CF-40AE-B4C6-C98DA3205C09}" type="datetimeFigureOut">
               <a:rPr lang="en-US" smtClean="0"/>
               <a:pPr/>
-              <a:t>4/19/2020</a:t>
+              <a:t>4/24/2020</a:t>
             </a:fld>
             <a:endParaRPr lang="en-US"/>
           </a:p>
@@ -2744,7 +2745,7 @@
             <a:fld id="{1D8BD707-D9CF-40AE-B4C6-C98DA3205C09}" type="datetimeFigureOut">
               <a:rPr lang="en-US" smtClean="0"/>
               <a:pPr/>
-              <a:t>4/19/2020</a:t>
+              <a:t>4/24/2020</a:t>
             </a:fld>
             <a:endParaRPr lang="en-US"/>
           </a:p>
@@ -3016,7 +3017,7 @@
             <a:fld id="{1D8BD707-D9CF-40AE-B4C6-C98DA3205C09}" type="datetimeFigureOut">
               <a:rPr lang="en-US" smtClean="0"/>
               <a:pPr/>
-              <a:t>4/19/2020</a:t>
+              <a:t>4/24/2020</a:t>
             </a:fld>
             <a:endParaRPr lang="en-US"/>
           </a:p>
@@ -3265,7 +3266,7 @@
             <a:fld id="{1D8BD707-D9CF-40AE-B4C6-C98DA3205C09}" type="datetimeFigureOut">
               <a:rPr lang="en-US" smtClean="0"/>
               <a:pPr/>
-              <a:t>4/19/2020</a:t>
+              <a:t>4/24/2020</a:t>
             </a:fld>
             <a:endParaRPr lang="en-US"/>
           </a:p>
@@ -3473,7 +3474,7 @@
             <a:fld id="{1D8BD707-D9CF-40AE-B4C6-C98DA3205C09}" type="datetimeFigureOut">
               <a:rPr lang="en-US" smtClean="0"/>
               <a:pPr/>
-              <a:t>4/19/2020</a:t>
+              <a:t>4/24/2020</a:t>
             </a:fld>
             <a:endParaRPr lang="en-US"/>
           </a:p>
@@ -3930,12 +3931,14 @@
         </p:nvSpPr>
         <p:spPr>
           <a:xfrm>
-            <a:off x="0" y="152400"/>
-            <a:ext cx="8839200" cy="6705600"/>
+            <a:off x="0" y="-8878"/>
+            <a:ext cx="8839200" cy="6866878"/>
           </a:xfrm>
         </p:spPr>
         <p:txBody>
-          <a:bodyPr/>
+          <a:bodyPr>
+            <a:normAutofit/>
+          </a:bodyPr>
           <a:lstStyle/>
           <a:p>
             <a:pPr algn="just"/>
@@ -3997,6 +4000,45 @@
             <a:r>
               <a:rPr lang="en-US" dirty="0"/>
               <a:t>If an incoming packet is on the list, it is not flooded. </a:t>
+            </a:r>
+          </a:p>
+          <a:p>
+            <a:pPr algn="just"/>
+            <a:r>
+              <a:rPr lang="en-US" dirty="0"/>
+              <a:t>A variation of flooding that is slightly more practical is </a:t>
+            </a:r>
+            <a:r>
+              <a:rPr lang="en-US" b="1" dirty="0"/>
+              <a:t>selective flooding</a:t>
+            </a:r>
+            <a:r>
+              <a:rPr lang="en-US" dirty="0"/>
+              <a:t>.</a:t>
+            </a:r>
+          </a:p>
+          <a:p>
+            <a:pPr lvl="1" algn="just"/>
+            <a:r>
+              <a:rPr lang="en-US" dirty="0"/>
+              <a:t>In this algorithm, the routers do not send every incoming packet out on every line, only on those lines that are going </a:t>
+            </a:r>
+            <a:r>
+              <a:rPr lang="en-US" i="1" dirty="0">
+                <a:latin typeface="Garamond" panose="02020404030301010803" pitchFamily="18" charset="0"/>
+              </a:rPr>
+              <a:t>approximately in the right direction</a:t>
+            </a:r>
+            <a:r>
+              <a:rPr lang="en-US" dirty="0"/>
+              <a:t>. </a:t>
+            </a:r>
+          </a:p>
+          <a:p>
+            <a:pPr lvl="1" algn="just"/>
+            <a:r>
+              <a:rPr lang="en-US" dirty="0"/>
+              <a:t>There is usually little point in sending a westbound packet on an eastbound line unless the topology is extremely peculiar and the router is sure of this fact. </a:t>
             </a:r>
           </a:p>
         </p:txBody>
@@ -4033,29 +4075,13 @@
       </p:grpSpPr>
       <p:sp>
         <p:nvSpPr>
-          <p:cNvPr id="2" name="Title 1"/>
-          <p:cNvSpPr>
-            <a:spLocks noGrp="1"/>
-          </p:cNvSpPr>
-          <p:nvPr>
-            <p:ph type="title"/>
-          </p:nvPr>
-        </p:nvSpPr>
-        <p:spPr/>
-        <p:txBody>
-          <a:bodyPr/>
-          <a:lstStyle/>
-          <a:p>
-            <a:r>
-              <a:rPr lang="en-US" b="1" dirty="0"/>
-              <a:t>3. Unicast Routing Protocol</a:t>
-            </a:r>
-          </a:p>
-        </p:txBody>
-      </p:sp>
-      <p:sp>
-        <p:nvSpPr>
-          <p:cNvPr id="3" name="Content Placeholder 2"/>
+          <p:cNvPr id="3" name="Content Placeholder 2">
+            <a:extLst>
+              <a:ext uri="{FF2B5EF4-FFF2-40B4-BE49-F238E27FC236}">
+                <a16:creationId xmlns:a16="http://schemas.microsoft.com/office/drawing/2014/main" id="{B3004603-13DA-4BFF-9D39-E4F0A307323D}"/>
+              </a:ext>
+            </a:extLst>
+          </p:cNvPr>
           <p:cNvSpPr>
             <a:spLocks noGrp="1"/>
           </p:cNvSpPr>
@@ -4065,88 +4091,137 @@
         </p:nvSpPr>
         <p:spPr>
           <a:xfrm>
-            <a:off x="152400" y="1219200"/>
-            <a:ext cx="8839200" cy="5638800"/>
+            <a:off x="0" y="152400"/>
+            <a:ext cx="8686800" cy="6324600"/>
           </a:xfrm>
         </p:spPr>
         <p:txBody>
-          <a:bodyPr/>
-          <a:lstStyle/>
-          <a:p>
-            <a:pPr marL="0" indent="0" algn="just">
-              <a:buNone/>
-            </a:pPr>
-            <a:r>
-              <a:rPr lang="en-US" b="1" u="sng" dirty="0"/>
-              <a:t>Introduction</a:t>
-            </a:r>
-          </a:p>
+          <a:bodyPr>
+            <a:normAutofit/>
+          </a:bodyPr>
+          <a:lstStyle/>
           <a:p>
             <a:pPr algn="just"/>
             <a:r>
-              <a:rPr lang="en-US" dirty="0"/>
-              <a:t>A routing table can be either static or dynamic.</a:t>
-            </a:r>
-          </a:p>
-          <a:p>
-            <a:pPr algn="just"/>
-            <a:r>
-              <a:rPr lang="en-US" dirty="0"/>
-              <a:t>A </a:t>
+              <a:rPr lang="en-IN" dirty="0"/>
+              <a:t>Uses of flooding:</a:t>
+            </a:r>
+          </a:p>
+          <a:p>
+            <a:pPr lvl="1" algn="just"/>
+            <a:r>
+              <a:rPr lang="en-US" dirty="0"/>
+              <a:t>In </a:t>
             </a:r>
             <a:r>
               <a:rPr lang="en-US" b="1" dirty="0"/>
-              <a:t>static</a:t>
-            </a:r>
-            <a:r>
-              <a:rPr lang="en-US" dirty="0"/>
-              <a:t> table is one with manual entries.</a:t>
-            </a:r>
-          </a:p>
-          <a:p>
-            <a:pPr algn="just"/>
-            <a:r>
-              <a:rPr lang="en-US" dirty="0"/>
-              <a:t>A </a:t>
+              <a:t>military applications</a:t>
+            </a:r>
+            <a:r>
+              <a:rPr lang="en-US" dirty="0"/>
+              <a:t>, where </a:t>
+            </a:r>
+            <a:r>
+              <a:rPr lang="en-US" dirty="0">
+                <a:solidFill>
+                  <a:srgbClr val="0070C0"/>
+                </a:solidFill>
+              </a:rPr>
+              <a:t>large numbers of routers may be blown to bits at any instant</a:t>
+            </a:r>
+            <a:r>
+              <a:rPr lang="en-US" dirty="0"/>
+              <a:t>, the tremendous robustness of flooding is highly desirable. </a:t>
+            </a:r>
+          </a:p>
+          <a:p>
+            <a:pPr lvl="1" algn="just"/>
+            <a:r>
+              <a:rPr lang="en-US" dirty="0"/>
+              <a:t>In </a:t>
             </a:r>
             <a:r>
               <a:rPr lang="en-US" b="1" dirty="0"/>
-              <a:t>dynamic</a:t>
-            </a:r>
-            <a:r>
-              <a:rPr lang="en-US" dirty="0"/>
-              <a:t> table</a:t>
-            </a:r>
-            <a:r>
-              <a:rPr lang="en-US" i="1" dirty="0"/>
-              <a:t>,</a:t>
-            </a:r>
-            <a:r>
-              <a:rPr lang="en-US" dirty="0"/>
-              <a:t> on the other hand, is one that is updated automatically when there is a change somewhere in the internet.</a:t>
-            </a:r>
-          </a:p>
-          <a:p>
-            <a:pPr algn="just"/>
-            <a:r>
-              <a:rPr lang="en-US" dirty="0"/>
-              <a:t>Today, an internet needs dynamic routing tables. </a:t>
-            </a:r>
-          </a:p>
-          <a:p>
-            <a:pPr algn="just"/>
-            <a:r>
-              <a:rPr lang="en-US" dirty="0"/>
-              <a:t>The tables need to be updated as soon as there is a change in the internet.</a:t>
-            </a:r>
-            <a:endParaRPr lang="en-US" u="sng" dirty="0"/>
+              <a:t>distributed database applications</a:t>
+            </a:r>
+            <a:r>
+              <a:rPr lang="en-US" dirty="0"/>
+              <a:t>, it is sometimes necessary to </a:t>
+            </a:r>
+            <a:r>
+              <a:rPr lang="en-US" dirty="0">
+                <a:solidFill>
+                  <a:srgbClr val="0070C0"/>
+                </a:solidFill>
+              </a:rPr>
+              <a:t>update all the databases concurrently</a:t>
+            </a:r>
+            <a:r>
+              <a:rPr lang="en-US" dirty="0"/>
+              <a:t>, in which case flooding can be useful. </a:t>
+            </a:r>
+          </a:p>
+          <a:p>
+            <a:pPr lvl="1" algn="just"/>
+            <a:r>
+              <a:rPr lang="en-US" dirty="0"/>
+              <a:t>In </a:t>
+            </a:r>
+            <a:r>
+              <a:rPr lang="en-US" b="1" dirty="0"/>
+              <a:t>wireless networks</a:t>
+            </a:r>
+            <a:r>
+              <a:rPr lang="en-US" dirty="0"/>
+              <a:t>, all messages transmitted by a station can be received by </a:t>
+            </a:r>
+            <a:r>
+              <a:rPr lang="en-US" dirty="0">
+                <a:solidFill>
+                  <a:srgbClr val="0070C0"/>
+                </a:solidFill>
+              </a:rPr>
+              <a:t>all other stations within its radio range</a:t>
+            </a:r>
+            <a:r>
+              <a:rPr lang="en-US" dirty="0"/>
+              <a:t>, which is, in fact, flooding, and some algorithms utilize this property. </a:t>
+            </a:r>
+          </a:p>
+          <a:p>
+            <a:pPr lvl="1" algn="just"/>
+            <a:r>
+              <a:rPr lang="en-US" dirty="0"/>
+              <a:t>As a </a:t>
+            </a:r>
+            <a:r>
+              <a:rPr lang="en-US" b="1" dirty="0"/>
+              <a:t>metric</a:t>
+            </a:r>
+            <a:r>
+              <a:rPr lang="en-US" dirty="0"/>
+              <a:t> against which </a:t>
+            </a:r>
+            <a:r>
+              <a:rPr lang="en-US" dirty="0">
+                <a:solidFill>
+                  <a:srgbClr val="0070C0"/>
+                </a:solidFill>
+              </a:rPr>
+              <a:t>other routing algorithms can be compared</a:t>
+            </a:r>
+            <a:r>
+              <a:rPr lang="en-US" dirty="0"/>
+              <a:t>. Flooding always chooses the shortest path because it chooses every possible path in parallel. Consequently, no other algorithm can produce a shorter delay (if we ignore the overhead generated by the flooding process itself).</a:t>
+            </a:r>
+            <a:endParaRPr lang="en-IN" dirty="0"/>
           </a:p>
         </p:txBody>
       </p:sp>
     </p:spTree>
     <p:extLst>
       <p:ext uri="{BB962C8B-B14F-4D97-AF65-F5344CB8AC3E}">
-        <p14:creationId xmlns:p14="http://schemas.microsoft.com/office/powerpoint/2010/main" val="57149073"/>
+        <p14:creationId xmlns:p14="http://schemas.microsoft.com/office/powerpoint/2010/main" val="4203449486"/>
       </p:ext>
     </p:extLst>
   </p:cSld>
@@ -4183,100 +4258,112 @@
             <p:ph type="title"/>
           </p:nvPr>
         </p:nvSpPr>
+        <p:spPr/>
+        <p:txBody>
+          <a:bodyPr/>
+          <a:lstStyle/>
+          <a:p>
+            <a:r>
+              <a:rPr lang="en-US" b="1" dirty="0"/>
+              <a:t>3. Unicast Routing Protocol</a:t>
+            </a:r>
+          </a:p>
+        </p:txBody>
+      </p:sp>
+      <p:sp>
+        <p:nvSpPr>
+          <p:cNvPr id="3" name="Content Placeholder 2"/>
+          <p:cNvSpPr>
+            <a:spLocks noGrp="1"/>
+          </p:cNvSpPr>
+          <p:nvPr>
+            <p:ph idx="1"/>
+          </p:nvPr>
+        </p:nvSpPr>
         <p:spPr>
           <a:xfrm>
-            <a:off x="228600" y="228600"/>
-            <a:ext cx="8229600" cy="1143000"/>
+            <a:off x="152400" y="1219200"/>
+            <a:ext cx="8839200" cy="5638800"/>
           </a:xfrm>
         </p:spPr>
         <p:txBody>
           <a:bodyPr/>
           <a:lstStyle/>
           <a:p>
-            <a:r>
-              <a:rPr lang="en-US" dirty="0"/>
-              <a:t> Optimization</a:t>
-            </a:r>
-          </a:p>
-        </p:txBody>
-      </p:sp>
-      <p:sp>
-        <p:nvSpPr>
-          <p:cNvPr id="3" name="Content Placeholder 2"/>
-          <p:cNvSpPr>
-            <a:spLocks noGrp="1"/>
-          </p:cNvSpPr>
-          <p:nvPr>
-            <p:ph idx="1"/>
-          </p:nvPr>
-        </p:nvSpPr>
-        <p:spPr>
-          <a:xfrm>
-            <a:off x="228600" y="1371600"/>
-            <a:ext cx="8763000" cy="5486400"/>
-          </a:xfrm>
-        </p:spPr>
-        <p:txBody>
-          <a:bodyPr>
-            <a:normAutofit/>
-          </a:bodyPr>
-          <a:lstStyle/>
+            <a:pPr marL="0" indent="0" algn="just">
+              <a:buNone/>
+            </a:pPr>
+            <a:r>
+              <a:rPr lang="en-US" b="1" u="sng" dirty="0"/>
+              <a:t>Introduction</a:t>
+            </a:r>
+          </a:p>
           <a:p>
             <a:pPr algn="just"/>
             <a:r>
               <a:rPr lang="en-US" dirty="0"/>
-              <a:t>A router receives a packet from a network and passes it to another network. </a:t>
+              <a:t>A routing table can be either static or dynamic.</a:t>
             </a:r>
           </a:p>
           <a:p>
             <a:pPr algn="just"/>
             <a:r>
               <a:rPr lang="en-US" dirty="0"/>
-              <a:t>A router is usually attached to several networks. </a:t>
+              <a:t>A </a:t>
+            </a:r>
+            <a:r>
+              <a:rPr lang="en-US" b="1" dirty="0"/>
+              <a:t>static</a:t>
+            </a:r>
+            <a:r>
+              <a:rPr lang="en-US" dirty="0"/>
+              <a:t> table is one with manual entries.</a:t>
             </a:r>
           </a:p>
           <a:p>
             <a:pPr algn="just"/>
             <a:r>
               <a:rPr lang="en-US" dirty="0"/>
-              <a:t>One approach is to assign a cost for passing through a network. We call this cost a </a:t>
+              <a:t>A </a:t>
             </a:r>
             <a:r>
               <a:rPr lang="en-US" b="1" dirty="0"/>
-              <a:t>metric</a:t>
-            </a:r>
-            <a:r>
-              <a:rPr lang="en-US" dirty="0"/>
-              <a:t>.</a:t>
+              <a:t>dynamic</a:t>
+            </a:r>
+            <a:r>
+              <a:rPr lang="en-US" dirty="0"/>
+              <a:t> table</a:t>
+            </a:r>
+            <a:r>
+              <a:rPr lang="en-US" i="1" dirty="0"/>
+              <a:t>,</a:t>
+            </a:r>
+            <a:r>
+              <a:rPr lang="en-US" dirty="0"/>
+              <a:t> on the other hand, is one that is updated automatically when there is a change somewhere in the internet.</a:t>
             </a:r>
           </a:p>
           <a:p>
             <a:pPr algn="just"/>
             <a:r>
               <a:rPr lang="en-US" dirty="0"/>
-              <a:t>However, the metric assigned to each network depends on the type of protocol. </a:t>
+              <a:t>Today, an internet needs dynamic routing tables. </a:t>
             </a:r>
           </a:p>
           <a:p>
             <a:pPr algn="just"/>
             <a:r>
               <a:rPr lang="en-US" dirty="0"/>
-              <a:t>Normally the  cost of passing through a network is the same; it is one hop count. </a:t>
-            </a:r>
-          </a:p>
-          <a:p>
-            <a:pPr algn="just"/>
-            <a:r>
-              <a:rPr lang="en-US" dirty="0"/>
-              <a:t>So if a packet passes through 10 networks to reach the destination, the total cost is 10 hop counts. </a:t>
-            </a:r>
+              <a:t>The tables need to be updated as soon as there is a change in the internet.</a:t>
+            </a:r>
+            <a:endParaRPr lang="en-US" u="sng" dirty="0"/>
           </a:p>
         </p:txBody>
       </p:sp>
     </p:spTree>
     <p:extLst>
       <p:ext uri="{BB962C8B-B14F-4D97-AF65-F5344CB8AC3E}">
-        <p14:creationId xmlns:p14="http://schemas.microsoft.com/office/powerpoint/2010/main" val="2896005421"/>
+        <p14:creationId xmlns:p14="http://schemas.microsoft.com/office/powerpoint/2010/main" val="57149073"/>
       </p:ext>
     </p:extLst>
   </p:cSld>
@@ -4313,6 +4400,136 @@
             <p:ph type="title"/>
           </p:nvPr>
         </p:nvSpPr>
+        <p:spPr>
+          <a:xfrm>
+            <a:off x="228600" y="228600"/>
+            <a:ext cx="8229600" cy="1143000"/>
+          </a:xfrm>
+        </p:spPr>
+        <p:txBody>
+          <a:bodyPr/>
+          <a:lstStyle/>
+          <a:p>
+            <a:r>
+              <a:rPr lang="en-US" dirty="0"/>
+              <a:t> Optimization</a:t>
+            </a:r>
+          </a:p>
+        </p:txBody>
+      </p:sp>
+      <p:sp>
+        <p:nvSpPr>
+          <p:cNvPr id="3" name="Content Placeholder 2"/>
+          <p:cNvSpPr>
+            <a:spLocks noGrp="1"/>
+          </p:cNvSpPr>
+          <p:nvPr>
+            <p:ph idx="1"/>
+          </p:nvPr>
+        </p:nvSpPr>
+        <p:spPr>
+          <a:xfrm>
+            <a:off x="228600" y="1371600"/>
+            <a:ext cx="8763000" cy="5486400"/>
+          </a:xfrm>
+        </p:spPr>
+        <p:txBody>
+          <a:bodyPr>
+            <a:normAutofit/>
+          </a:bodyPr>
+          <a:lstStyle/>
+          <a:p>
+            <a:pPr algn="just"/>
+            <a:r>
+              <a:rPr lang="en-US" dirty="0"/>
+              <a:t>A router receives a packet from a network and passes it to another network. </a:t>
+            </a:r>
+          </a:p>
+          <a:p>
+            <a:pPr algn="just"/>
+            <a:r>
+              <a:rPr lang="en-US" dirty="0"/>
+              <a:t>A router is usually attached to several networks. </a:t>
+            </a:r>
+          </a:p>
+          <a:p>
+            <a:pPr algn="just"/>
+            <a:r>
+              <a:rPr lang="en-US" dirty="0"/>
+              <a:t>One approach is to assign a cost for passing through a network. We call this cost a </a:t>
+            </a:r>
+            <a:r>
+              <a:rPr lang="en-US" b="1" dirty="0"/>
+              <a:t>metric</a:t>
+            </a:r>
+            <a:r>
+              <a:rPr lang="en-US" dirty="0"/>
+              <a:t>.</a:t>
+            </a:r>
+          </a:p>
+          <a:p>
+            <a:pPr algn="just"/>
+            <a:r>
+              <a:rPr lang="en-US" dirty="0"/>
+              <a:t>However, the metric assigned to each network depends on the type of protocol. </a:t>
+            </a:r>
+          </a:p>
+          <a:p>
+            <a:pPr algn="just"/>
+            <a:r>
+              <a:rPr lang="en-US" dirty="0"/>
+              <a:t>Normally the  cost of passing through a network is the same; it is one hop count. </a:t>
+            </a:r>
+          </a:p>
+          <a:p>
+            <a:pPr algn="just"/>
+            <a:r>
+              <a:rPr lang="en-US" dirty="0"/>
+              <a:t>So if a packet passes through 10 networks to reach the destination, the total cost is 10 hop counts. </a:t>
+            </a:r>
+          </a:p>
+        </p:txBody>
+      </p:sp>
+    </p:spTree>
+    <p:extLst>
+      <p:ext uri="{BB962C8B-B14F-4D97-AF65-F5344CB8AC3E}">
+        <p14:creationId xmlns:p14="http://schemas.microsoft.com/office/powerpoint/2010/main" val="2896005421"/>
+      </p:ext>
+    </p:extLst>
+  </p:cSld>
+  <p:clrMapOvr>
+    <a:masterClrMapping/>
+  </p:clrMapOvr>
+</p:sld>
+</file>
+
+<file path=ppt/slides/slide14.xml><?xml version="1.0" encoding="utf-8"?>
+<p:sld xmlns:a="http://schemas.openxmlformats.org/drawingml/2006/main" xmlns:r="http://schemas.openxmlformats.org/officeDocument/2006/relationships" xmlns:p="http://schemas.openxmlformats.org/presentationml/2006/main">
+  <p:cSld>
+    <p:spTree>
+      <p:nvGrpSpPr>
+        <p:cNvPr id="1" name=""/>
+        <p:cNvGrpSpPr/>
+        <p:nvPr/>
+      </p:nvGrpSpPr>
+      <p:grpSpPr>
+        <a:xfrm>
+          <a:off x="0" y="0"/>
+          <a:ext cx="0" cy="0"/>
+          <a:chOff x="0" y="0"/>
+          <a:chExt cx="0" cy="0"/>
+        </a:xfrm>
+      </p:grpSpPr>
+      <p:sp>
+        <p:nvSpPr>
+          <p:cNvPr id="2" name="Title 1"/>
+          <p:cNvSpPr>
+            <a:spLocks noGrp="1"/>
+          </p:cNvSpPr>
+          <p:nvPr>
+            <p:ph type="title"/>
+          </p:nvPr>
+        </p:nvSpPr>
         <p:spPr/>
         <p:txBody>
           <a:bodyPr>
@@ -4418,7 +4635,7 @@
 </p:sld>
 </file>
 
-<file path=ppt/slides/slide14.xml><?xml version="1.0" encoding="utf-8"?>
+<file path=ppt/slides/slide15.xml><?xml version="1.0" encoding="utf-8"?>
 <p:sld xmlns:a="http://schemas.openxmlformats.org/drawingml/2006/main" xmlns:r="http://schemas.openxmlformats.org/officeDocument/2006/relationships" xmlns:p="http://schemas.openxmlformats.org/presentationml/2006/main">
   <p:cSld>
     <p:spTree>
@@ -4491,7 +4708,7 @@
 </p:sld>
 </file>
 
-<file path=ppt/slides/slide15.xml><?xml version="1.0" encoding="utf-8"?>
+<file path=ppt/slides/slide16.xml><?xml version="1.0" encoding="utf-8"?>
 <p:sld xmlns:a="http://schemas.openxmlformats.org/drawingml/2006/main" xmlns:r="http://schemas.openxmlformats.org/officeDocument/2006/relationships" xmlns:p="http://schemas.openxmlformats.org/presentationml/2006/main">
   <p:cSld>
     <p:spTree>
@@ -4648,7 +4865,7 @@
 </p:sld>
 </file>
 
-<file path=ppt/slides/slide16.xml><?xml version="1.0" encoding="utf-8"?>
+<file path=ppt/slides/slide17.xml><?xml version="1.0" encoding="utf-8"?>
 <p:sld xmlns:a="http://schemas.openxmlformats.org/drawingml/2006/main" xmlns:r="http://schemas.openxmlformats.org/officeDocument/2006/relationships" xmlns:p="http://schemas.openxmlformats.org/presentationml/2006/main">
   <p:cSld>
     <p:spTree>
@@ -4721,7 +4938,7 @@
 </p:sld>
 </file>
 
-<file path=ppt/slides/slide17.xml><?xml version="1.0" encoding="utf-8"?>
+<file path=ppt/slides/slide18.xml><?xml version="1.0" encoding="utf-8"?>
 <p:sld xmlns:a="http://schemas.openxmlformats.org/drawingml/2006/main" xmlns:r="http://schemas.openxmlformats.org/officeDocument/2006/relationships" xmlns:p="http://schemas.openxmlformats.org/presentationml/2006/main">
   <p:cSld>
     <p:spTree>
@@ -4829,7 +5046,7 @@
 </p:sld>
 </file>
 
-<file path=ppt/slides/slide18.xml><?xml version="1.0" encoding="utf-8"?>
+<file path=ppt/slides/slide19.xml><?xml version="1.0" encoding="utf-8"?>
 <p:sld xmlns:a="http://schemas.openxmlformats.org/drawingml/2006/main" xmlns:r="http://schemas.openxmlformats.org/officeDocument/2006/relationships" xmlns:p="http://schemas.openxmlformats.org/presentationml/2006/main">
   <p:cSld>
     <p:spTree>
@@ -4919,7 +5136,140 @@
 </p:sld>
 </file>
 
-<file path=ppt/slides/slide19.xml><?xml version="1.0" encoding="utf-8"?>
+<file path=ppt/slides/slide2.xml><?xml version="1.0" encoding="utf-8"?>
+<p:sld xmlns:a="http://schemas.openxmlformats.org/drawingml/2006/main" xmlns:r="http://schemas.openxmlformats.org/officeDocument/2006/relationships" xmlns:p="http://schemas.openxmlformats.org/presentationml/2006/main">
+  <p:cSld>
+    <p:spTree>
+      <p:nvGrpSpPr>
+        <p:cNvPr id="1" name=""/>
+        <p:cNvGrpSpPr/>
+        <p:nvPr/>
+      </p:nvGrpSpPr>
+      <p:grpSpPr>
+        <a:xfrm>
+          <a:off x="0" y="0"/>
+          <a:ext cx="0" cy="0"/>
+          <a:chOff x="0" y="0"/>
+          <a:chExt cx="0" cy="0"/>
+        </a:xfrm>
+      </p:grpSpPr>
+      <p:sp>
+        <p:nvSpPr>
+          <p:cNvPr id="3" name="Content Placeholder 2"/>
+          <p:cNvSpPr>
+            <a:spLocks noGrp="1"/>
+          </p:cNvSpPr>
+          <p:nvPr>
+            <p:ph idx="1"/>
+          </p:nvPr>
+        </p:nvSpPr>
+        <p:spPr>
+          <a:xfrm>
+            <a:off x="0" y="990600"/>
+            <a:ext cx="8991600" cy="5181600"/>
+          </a:xfrm>
+        </p:spPr>
+        <p:txBody>
+          <a:bodyPr/>
+          <a:lstStyle/>
+          <a:p>
+            <a:pPr algn="just"/>
+            <a:r>
+              <a:rPr lang="en-US" dirty="0"/>
+              <a:t>The main function of the network layer is routing packets from the source machine to the destination machine.</a:t>
+            </a:r>
+          </a:p>
+          <a:p>
+            <a:pPr algn="just"/>
+            <a:r>
+              <a:rPr lang="en-US" dirty="0"/>
+              <a:t>Routing is an issue if the source and destination are not on the same network.</a:t>
+            </a:r>
+          </a:p>
+          <a:p>
+            <a:pPr algn="just"/>
+            <a:r>
+              <a:rPr lang="en-US" dirty="0"/>
+              <a:t>The routing algorithm is that part of the network layer software responsible for deciding which output line an incoming packet should be transmitted on. </a:t>
+            </a:r>
+          </a:p>
+          <a:p>
+            <a:pPr algn="just"/>
+            <a:r>
+              <a:rPr lang="en-US" dirty="0"/>
+              <a:t>Distinction between </a:t>
+            </a:r>
+            <a:r>
+              <a:rPr lang="en-US" i="1" dirty="0">
+                <a:latin typeface="Garamond" panose="02020404030301010803" pitchFamily="18" charset="0"/>
+              </a:rPr>
+              <a:t>routing</a:t>
+            </a:r>
+            <a:r>
+              <a:rPr lang="en-US" i="1" dirty="0"/>
+              <a:t> and </a:t>
+            </a:r>
+            <a:r>
+              <a:rPr lang="en-US" i="1" dirty="0">
+                <a:latin typeface="Garamond" panose="02020404030301010803" pitchFamily="18" charset="0"/>
+              </a:rPr>
+              <a:t>forwarding</a:t>
+            </a:r>
+            <a:r>
+              <a:rPr lang="en-US" i="1" dirty="0"/>
+              <a:t>:</a:t>
+            </a:r>
+          </a:p>
+          <a:p>
+            <a:pPr lvl="1" algn="just"/>
+            <a:r>
+              <a:rPr lang="en-US" i="1" dirty="0">
+                <a:latin typeface="Garamond" panose="02020404030301010803" pitchFamily="18" charset="0"/>
+              </a:rPr>
+              <a:t>Routing</a:t>
+            </a:r>
+            <a:r>
+              <a:rPr lang="en-US" i="1" dirty="0"/>
+              <a:t>: </a:t>
+            </a:r>
+            <a:r>
+              <a:rPr lang="en-US" dirty="0"/>
+              <a:t>is making the decision on which routes to use. </a:t>
+            </a:r>
+          </a:p>
+          <a:p>
+            <a:pPr lvl="1" algn="just"/>
+            <a:r>
+              <a:rPr lang="en-US" i="1" dirty="0">
+                <a:latin typeface="Garamond" panose="02020404030301010803" pitchFamily="18" charset="0"/>
+              </a:rPr>
+              <a:t>Forwarding</a:t>
+            </a:r>
+            <a:r>
+              <a:rPr lang="en-US" i="1" dirty="0"/>
+              <a:t>:</a:t>
+            </a:r>
+            <a:r>
+              <a:rPr lang="en-US" dirty="0"/>
+              <a:t> is what happens when a packet arrives. </a:t>
+            </a:r>
+          </a:p>
+        </p:txBody>
+      </p:sp>
+    </p:spTree>
+    <p:extLst>
+      <p:ext uri="{BB962C8B-B14F-4D97-AF65-F5344CB8AC3E}">
+        <p14:creationId xmlns:p14="http://schemas.microsoft.com/office/powerpoint/2010/main" val="3756592490"/>
+      </p:ext>
+    </p:extLst>
+  </p:cSld>
+  <p:clrMapOvr>
+    <a:masterClrMapping/>
+  </p:clrMapOvr>
+</p:sld>
+</file>
+
+<file path=ppt/slides/slide20.xml><?xml version="1.0" encoding="utf-8"?>
 <p:sld xmlns:a="http://schemas.openxmlformats.org/drawingml/2006/main" xmlns:r="http://schemas.openxmlformats.org/officeDocument/2006/relationships" xmlns:p="http://schemas.openxmlformats.org/presentationml/2006/main">
   <p:cSld>
     <p:spTree>
@@ -5005,140 +5355,7 @@
 </p:sld>
 </file>
 
-<file path=ppt/slides/slide2.xml><?xml version="1.0" encoding="utf-8"?>
-<p:sld xmlns:a="http://schemas.openxmlformats.org/drawingml/2006/main" xmlns:r="http://schemas.openxmlformats.org/officeDocument/2006/relationships" xmlns:p="http://schemas.openxmlformats.org/presentationml/2006/main">
-  <p:cSld>
-    <p:spTree>
-      <p:nvGrpSpPr>
-        <p:cNvPr id="1" name=""/>
-        <p:cNvGrpSpPr/>
-        <p:nvPr/>
-      </p:nvGrpSpPr>
-      <p:grpSpPr>
-        <a:xfrm>
-          <a:off x="0" y="0"/>
-          <a:ext cx="0" cy="0"/>
-          <a:chOff x="0" y="0"/>
-          <a:chExt cx="0" cy="0"/>
-        </a:xfrm>
-      </p:grpSpPr>
-      <p:sp>
-        <p:nvSpPr>
-          <p:cNvPr id="3" name="Content Placeholder 2"/>
-          <p:cNvSpPr>
-            <a:spLocks noGrp="1"/>
-          </p:cNvSpPr>
-          <p:nvPr>
-            <p:ph idx="1"/>
-          </p:nvPr>
-        </p:nvSpPr>
-        <p:spPr>
-          <a:xfrm>
-            <a:off x="0" y="990600"/>
-            <a:ext cx="8991600" cy="5181600"/>
-          </a:xfrm>
-        </p:spPr>
-        <p:txBody>
-          <a:bodyPr/>
-          <a:lstStyle/>
-          <a:p>
-            <a:pPr algn="just"/>
-            <a:r>
-              <a:rPr lang="en-US" dirty="0"/>
-              <a:t>The main function of the network layer is routing packets from the source machine to the destination machine.</a:t>
-            </a:r>
-          </a:p>
-          <a:p>
-            <a:pPr algn="just"/>
-            <a:r>
-              <a:rPr lang="en-US" dirty="0"/>
-              <a:t>Routing is an issue if the source and destination are not on the same network.</a:t>
-            </a:r>
-          </a:p>
-          <a:p>
-            <a:pPr algn="just"/>
-            <a:r>
-              <a:rPr lang="en-US" dirty="0"/>
-              <a:t>The routing algorithm is that part of the network layer software responsible for deciding which output line an incoming packet should be transmitted on. </a:t>
-            </a:r>
-          </a:p>
-          <a:p>
-            <a:pPr algn="just"/>
-            <a:r>
-              <a:rPr lang="en-US" dirty="0"/>
-              <a:t>Distinction between </a:t>
-            </a:r>
-            <a:r>
-              <a:rPr lang="en-US" i="1" dirty="0">
-                <a:latin typeface="Garamond" panose="02020404030301010803" pitchFamily="18" charset="0"/>
-              </a:rPr>
-              <a:t>routing</a:t>
-            </a:r>
-            <a:r>
-              <a:rPr lang="en-US" i="1" dirty="0"/>
-              <a:t> and </a:t>
-            </a:r>
-            <a:r>
-              <a:rPr lang="en-US" i="1" dirty="0">
-                <a:latin typeface="Garamond" panose="02020404030301010803" pitchFamily="18" charset="0"/>
-              </a:rPr>
-              <a:t>forwarding</a:t>
-            </a:r>
-            <a:r>
-              <a:rPr lang="en-US" i="1" dirty="0"/>
-              <a:t>:</a:t>
-            </a:r>
-          </a:p>
-          <a:p>
-            <a:pPr lvl="1" algn="just"/>
-            <a:r>
-              <a:rPr lang="en-US" i="1" dirty="0">
-                <a:latin typeface="Garamond" panose="02020404030301010803" pitchFamily="18" charset="0"/>
-              </a:rPr>
-              <a:t>Routing</a:t>
-            </a:r>
-            <a:r>
-              <a:rPr lang="en-US" i="1" dirty="0"/>
-              <a:t>: </a:t>
-            </a:r>
-            <a:r>
-              <a:rPr lang="en-US" dirty="0"/>
-              <a:t>is making the decision on which routes to use. </a:t>
-            </a:r>
-          </a:p>
-          <a:p>
-            <a:pPr lvl="1" algn="just"/>
-            <a:r>
-              <a:rPr lang="en-US" i="1" dirty="0">
-                <a:latin typeface="Garamond" panose="02020404030301010803" pitchFamily="18" charset="0"/>
-              </a:rPr>
-              <a:t>Forwarding</a:t>
-            </a:r>
-            <a:r>
-              <a:rPr lang="en-US" i="1" dirty="0"/>
-              <a:t>:</a:t>
-            </a:r>
-            <a:r>
-              <a:rPr lang="en-US" dirty="0"/>
-              <a:t> is what happens when a packet arrives. </a:t>
-            </a:r>
-          </a:p>
-        </p:txBody>
-      </p:sp>
-    </p:spTree>
-    <p:extLst>
-      <p:ext uri="{BB962C8B-B14F-4D97-AF65-F5344CB8AC3E}">
-        <p14:creationId xmlns:p14="http://schemas.microsoft.com/office/powerpoint/2010/main" val="3756592490"/>
-      </p:ext>
-    </p:extLst>
-  </p:cSld>
-  <p:clrMapOvr>
-    <a:masterClrMapping/>
-  </p:clrMapOvr>
-</p:sld>
-</file>
-
-<file path=ppt/slides/slide20.xml><?xml version="1.0" encoding="utf-8"?>
+<file path=ppt/slides/slide21.xml><?xml version="1.0" encoding="utf-8"?>
 <p:sld xmlns:a="http://schemas.openxmlformats.org/drawingml/2006/main" xmlns:r="http://schemas.openxmlformats.org/officeDocument/2006/relationships" xmlns:p="http://schemas.openxmlformats.org/presentationml/2006/main">
   <p:cSld>
     <p:spTree>
@@ -5224,7 +5441,7 @@
 </p:sld>
 </file>
 
-<file path=ppt/slides/slide21.xml><?xml version="1.0" encoding="utf-8"?>
+<file path=ppt/slides/slide22.xml><?xml version="1.0" encoding="utf-8"?>
 <p:sld xmlns:a="http://schemas.openxmlformats.org/drawingml/2006/main" xmlns:r="http://schemas.openxmlformats.org/officeDocument/2006/relationships" xmlns:p="http://schemas.openxmlformats.org/presentationml/2006/main">
   <p:cSld>
     <p:spTree>
@@ -5310,7 +5527,7 @@
 </p:sld>
 </file>
 
-<file path=ppt/slides/slide22.xml><?xml version="1.0" encoding="utf-8"?>
+<file path=ppt/slides/slide23.xml><?xml version="1.0" encoding="utf-8"?>
 <p:sld xmlns:a="http://schemas.openxmlformats.org/drawingml/2006/main" xmlns:r="http://schemas.openxmlformats.org/officeDocument/2006/relationships" xmlns:p="http://schemas.openxmlformats.org/presentationml/2006/main">
   <p:cSld>
     <p:spTree>
@@ -5468,7 +5685,7 @@
 </p:sld>
 </file>
 
-<file path=ppt/slides/slide23.xml><?xml version="1.0" encoding="utf-8"?>
+<file path=ppt/slides/slide24.xml><?xml version="1.0" encoding="utf-8"?>
 <p:sld xmlns:a="http://schemas.openxmlformats.org/drawingml/2006/main" xmlns:r="http://schemas.openxmlformats.org/officeDocument/2006/relationships" xmlns:p="http://schemas.openxmlformats.org/presentationml/2006/main">
   <p:cSld>
     <p:spTree>
@@ -5567,7 +5784,7 @@
 </p:sld>
 </file>
 
-<file path=ppt/slides/slide24.xml><?xml version="1.0" encoding="utf-8"?>
+<file path=ppt/slides/slide25.xml><?xml version="1.0" encoding="utf-8"?>
 <p:sld xmlns:a="http://schemas.openxmlformats.org/drawingml/2006/main" xmlns:r="http://schemas.openxmlformats.org/officeDocument/2006/relationships" xmlns:p="http://schemas.openxmlformats.org/presentationml/2006/main">
   <p:cSld>
     <p:spTree>
@@ -5640,158 +5857,6 @@
 </p:sld>
 </file>
 
-<file path=ppt/slides/slide25.xml><?xml version="1.0" encoding="utf-8"?>
-<p:sld xmlns:a="http://schemas.openxmlformats.org/drawingml/2006/main" xmlns:r="http://schemas.openxmlformats.org/officeDocument/2006/relationships" xmlns:p="http://schemas.openxmlformats.org/presentationml/2006/main">
-  <p:cSld>
-    <p:spTree>
-      <p:nvGrpSpPr>
-        <p:cNvPr id="1" name=""/>
-        <p:cNvGrpSpPr/>
-        <p:nvPr/>
-      </p:nvGrpSpPr>
-      <p:grpSpPr>
-        <a:xfrm>
-          <a:off x="0" y="0"/>
-          <a:ext cx="0" cy="0"/>
-          <a:chOff x="0" y="0"/>
-          <a:chExt cx="0" cy="0"/>
-        </a:xfrm>
-      </p:grpSpPr>
-      <p:sp>
-        <p:nvSpPr>
-          <p:cNvPr id="3" name="Content Placeholder 2"/>
-          <p:cNvSpPr>
-            <a:spLocks noGrp="1"/>
-          </p:cNvSpPr>
-          <p:nvPr>
-            <p:ph idx="1"/>
-          </p:nvPr>
-        </p:nvSpPr>
-        <p:spPr>
-          <a:xfrm>
-            <a:off x="0" y="152400"/>
-            <a:ext cx="8991600" cy="6629400"/>
-          </a:xfrm>
-        </p:spPr>
-        <p:txBody>
-          <a:bodyPr>
-            <a:normAutofit lnSpcReduction="10000"/>
-          </a:bodyPr>
-          <a:lstStyle/>
-          <a:p>
-            <a:pPr algn="just"/>
-            <a:r>
-              <a:rPr lang="en-US" sz="2400" dirty="0"/>
-              <a:t>The picture above shows a system with 3 nodes.</a:t>
-            </a:r>
-          </a:p>
-          <a:p>
-            <a:pPr algn="just"/>
-            <a:r>
-              <a:rPr lang="en-US" sz="2400" dirty="0"/>
-              <a:t>At the beginning node A and B know how to reach node X.</a:t>
-            </a:r>
-          </a:p>
-          <a:p>
-            <a:pPr algn="just"/>
-            <a:r>
-              <a:rPr lang="en-US" sz="2400" dirty="0"/>
-              <a:t>But suddenly the link from A to X fails.</a:t>
-            </a:r>
-          </a:p>
-          <a:p>
-            <a:pPr algn="just"/>
-            <a:r>
-              <a:rPr lang="en-US" sz="2400" dirty="0"/>
-              <a:t>Node A changes its table.</a:t>
-            </a:r>
-          </a:p>
-          <a:p>
-            <a:pPr algn="just"/>
-            <a:r>
-              <a:rPr lang="en-US" sz="2400" dirty="0"/>
-              <a:t>If A can send its table to B immediately, everything is fine.</a:t>
-            </a:r>
-          </a:p>
-          <a:p>
-            <a:pPr algn="just"/>
-            <a:r>
-              <a:rPr lang="en-US" sz="2400" dirty="0"/>
-              <a:t>However, the system becomes unstable if B sends its routing table to A before receiving A’s routing table.</a:t>
-            </a:r>
-          </a:p>
-          <a:p>
-            <a:pPr algn="just"/>
-            <a:r>
-              <a:rPr lang="en-US" sz="2400" dirty="0"/>
-              <a:t>Node A receives the update and, assuming that B has found a way to reach  X, immediately update its routing table.</a:t>
-            </a:r>
-          </a:p>
-          <a:p>
-            <a:pPr algn="just"/>
-            <a:r>
-              <a:rPr lang="en-US" sz="2400" dirty="0"/>
-              <a:t>Then A sends its new update to B (based on the triggered update strategy).</a:t>
-            </a:r>
-          </a:p>
-          <a:p>
-            <a:pPr algn="just"/>
-            <a:r>
-              <a:rPr lang="en-US" sz="2400" dirty="0"/>
-              <a:t>Now B thinks that something has changed around A and updates its routing table.</a:t>
-            </a:r>
-          </a:p>
-          <a:p>
-            <a:pPr algn="just"/>
-            <a:r>
-              <a:rPr lang="en-US" sz="2400" dirty="0"/>
-              <a:t>The cost of reaching X increases gradually until it reaches infinity.</a:t>
-            </a:r>
-          </a:p>
-          <a:p>
-            <a:pPr algn="just"/>
-            <a:r>
-              <a:rPr lang="en-US" sz="2400" dirty="0"/>
-              <a:t>At this moment, both A and B know that X cannot be reached.</a:t>
-            </a:r>
-          </a:p>
-          <a:p>
-            <a:pPr algn="just"/>
-            <a:r>
-              <a:rPr lang="en-US" sz="2400" dirty="0"/>
-              <a:t>However, during this time the system is not stable. </a:t>
-            </a:r>
-          </a:p>
-          <a:p>
-            <a:pPr algn="just"/>
-            <a:r>
-              <a:rPr lang="en-US" sz="2400" dirty="0"/>
-              <a:t>Packets bounce between A and B creating a </a:t>
-            </a:r>
-            <a:r>
-              <a:rPr lang="en-US" sz="2400" b="1" dirty="0"/>
-              <a:t>two node loop problem</a:t>
-            </a:r>
-            <a:r>
-              <a:rPr lang="en-US" sz="2400" dirty="0"/>
-              <a:t>.</a:t>
-            </a:r>
-          </a:p>
-        </p:txBody>
-      </p:sp>
-    </p:spTree>
-    <p:extLst>
-      <p:ext uri="{BB962C8B-B14F-4D97-AF65-F5344CB8AC3E}">
-        <p14:creationId xmlns:p14="http://schemas.microsoft.com/office/powerpoint/2010/main" val="3092199859"/>
-      </p:ext>
-    </p:extLst>
-  </p:cSld>
-  <p:clrMapOvr>
-    <a:masterClrMapping/>
-  </p:clrMapOvr>
-</p:sld>
-</file>
-
 <file path=ppt/slides/slide26.xml><?xml version="1.0" encoding="utf-8"?>
 <p:sld xmlns:a="http://schemas.openxmlformats.org/drawingml/2006/main" xmlns:r="http://schemas.openxmlformats.org/officeDocument/2006/relationships" xmlns:p="http://schemas.openxmlformats.org/presentationml/2006/main">
   <p:cSld>
@@ -5811,28 +5876,6 @@
       </p:grpSpPr>
       <p:sp>
         <p:nvSpPr>
-          <p:cNvPr id="2" name="Title 1"/>
-          <p:cNvSpPr>
-            <a:spLocks noGrp="1"/>
-          </p:cNvSpPr>
-          <p:nvPr>
-            <p:ph type="title"/>
-          </p:nvPr>
-        </p:nvSpPr>
-        <p:spPr/>
-        <p:txBody>
-          <a:bodyPr/>
-          <a:lstStyle/>
-          <a:p>
-            <a:r>
-              <a:rPr lang="en-US" dirty="0"/>
-              <a:t>Solutions </a:t>
-            </a:r>
-          </a:p>
-        </p:txBody>
-      </p:sp>
-      <p:sp>
-        <p:nvSpPr>
           <p:cNvPr id="3" name="Content Placeholder 2"/>
           <p:cNvSpPr>
             <a:spLocks noGrp="1"/>
@@ -5843,53 +5886,112 @@
         </p:nvSpPr>
         <p:spPr>
           <a:xfrm>
-            <a:off x="0" y="1371600"/>
-            <a:ext cx="8839200" cy="5486400"/>
+            <a:off x="0" y="152400"/>
+            <a:ext cx="8991600" cy="6629400"/>
           </a:xfrm>
         </p:spPr>
         <p:txBody>
-          <a:bodyPr/>
-          <a:lstStyle/>
-          <a:p>
-            <a:pPr marL="514350" indent="-514350" algn="just">
-              <a:buFont typeface="+mj-lt"/>
-              <a:buAutoNum type="arabicPeriod"/>
-            </a:pPr>
-            <a:r>
-              <a:rPr lang="en-US" b="1" dirty="0"/>
-              <a:t>Defining Infinity</a:t>
-            </a:r>
-            <a:r>
-              <a:rPr lang="en-US" dirty="0"/>
-              <a:t>: </a:t>
-            </a:r>
-          </a:p>
-          <a:p>
-            <a:pPr lvl="1" algn="just"/>
-            <a:r>
-              <a:rPr lang="en-US" dirty="0"/>
-              <a:t>The first obvious solution is to redefine infinity to a smaller number, such as 100.</a:t>
-            </a:r>
-          </a:p>
-          <a:p>
-            <a:pPr lvl="1" algn="just"/>
-            <a:r>
-              <a:rPr lang="en-US" dirty="0"/>
-              <a:t>As a matter of fact, most implementations of the distance vector protocol define the distance between each node to be 1 and define 16 as infinity.</a:t>
-            </a:r>
-          </a:p>
-          <a:p>
-            <a:pPr lvl="1" algn="just"/>
-            <a:r>
-              <a:rPr lang="en-US" dirty="0"/>
-              <a:t>However, this means that the distance vector routing cannot be used in large systems. </a:t>
-            </a:r>
-          </a:p>
-          <a:p>
-            <a:pPr lvl="1" algn="just"/>
-            <a:r>
-              <a:rPr lang="en-US" dirty="0"/>
-              <a:t>The size of the network, in each direction, cannot exceed 15 hops. </a:t>
+          <a:bodyPr>
+            <a:normAutofit lnSpcReduction="10000"/>
+          </a:bodyPr>
+          <a:lstStyle/>
+          <a:p>
+            <a:pPr algn="just"/>
+            <a:r>
+              <a:rPr lang="en-US" sz="2400" dirty="0"/>
+              <a:t>The picture above shows a system with 3 nodes.</a:t>
+            </a:r>
+          </a:p>
+          <a:p>
+            <a:pPr algn="just"/>
+            <a:r>
+              <a:rPr lang="en-US" sz="2400" dirty="0"/>
+              <a:t>At the beginning node A and B know how to reach node X.</a:t>
+            </a:r>
+          </a:p>
+          <a:p>
+            <a:pPr algn="just"/>
+            <a:r>
+              <a:rPr lang="en-US" sz="2400" dirty="0"/>
+              <a:t>But suddenly the link from A to X fails.</a:t>
+            </a:r>
+          </a:p>
+          <a:p>
+            <a:pPr algn="just"/>
+            <a:r>
+              <a:rPr lang="en-US" sz="2400" dirty="0"/>
+              <a:t>Node A changes its table.</a:t>
+            </a:r>
+          </a:p>
+          <a:p>
+            <a:pPr algn="just"/>
+            <a:r>
+              <a:rPr lang="en-US" sz="2400" dirty="0"/>
+              <a:t>If A can send its table to B immediately, everything is fine.</a:t>
+            </a:r>
+          </a:p>
+          <a:p>
+            <a:pPr algn="just"/>
+            <a:r>
+              <a:rPr lang="en-US" sz="2400" dirty="0"/>
+              <a:t>However, the system becomes unstable if B sends its routing table to A before receiving A’s routing table.</a:t>
+            </a:r>
+          </a:p>
+          <a:p>
+            <a:pPr algn="just"/>
+            <a:r>
+              <a:rPr lang="en-US" sz="2400" dirty="0"/>
+              <a:t>Node A receives the update and, assuming that B has found a way to reach  X, immediately update its routing table.</a:t>
+            </a:r>
+          </a:p>
+          <a:p>
+            <a:pPr algn="just"/>
+            <a:r>
+              <a:rPr lang="en-US" sz="2400" dirty="0"/>
+              <a:t>Then A sends its new update to B (based on the triggered update strategy).</a:t>
+            </a:r>
+          </a:p>
+          <a:p>
+            <a:pPr algn="just"/>
+            <a:r>
+              <a:rPr lang="en-US" sz="2400" dirty="0"/>
+              <a:t>Now B thinks that something has changed around A and updates its routing table.</a:t>
+            </a:r>
+          </a:p>
+          <a:p>
+            <a:pPr algn="just"/>
+            <a:r>
+              <a:rPr lang="en-US" sz="2400" dirty="0"/>
+              <a:t>The cost of reaching X increases gradually until it reaches infinity.</a:t>
+            </a:r>
+          </a:p>
+          <a:p>
+            <a:pPr algn="just"/>
+            <a:r>
+              <a:rPr lang="en-US" sz="2400" dirty="0"/>
+              <a:t>At this moment, both A and B know that X cannot be reached.</a:t>
+            </a:r>
+          </a:p>
+          <a:p>
+            <a:pPr algn="just"/>
+            <a:r>
+              <a:rPr lang="en-US" sz="2400" dirty="0"/>
+              <a:t>However, during this time the system is not stable. </a:t>
+            </a:r>
+          </a:p>
+          <a:p>
+            <a:pPr algn="just"/>
+            <a:r>
+              <a:rPr lang="en-US" sz="2400" dirty="0"/>
+              <a:t>Packets bounce between A and B creating a </a:t>
+            </a:r>
+            <a:r>
+              <a:rPr lang="en-US" sz="2400" b="1" dirty="0"/>
+              <a:t>two node loop problem</a:t>
+            </a:r>
+            <a:r>
+              <a:rPr lang="en-US" sz="2400" dirty="0"/>
+              <a:t>.</a:t>
             </a:r>
           </a:p>
         </p:txBody>
@@ -5897,7 +5999,7 @@
     </p:spTree>
     <p:extLst>
       <p:ext uri="{BB962C8B-B14F-4D97-AF65-F5344CB8AC3E}">
-        <p14:creationId xmlns:p14="http://schemas.microsoft.com/office/powerpoint/2010/main" val="2419853340"/>
+        <p14:creationId xmlns:p14="http://schemas.microsoft.com/office/powerpoint/2010/main" val="3092199859"/>
       </p:ext>
     </p:extLst>
   </p:cSld>
@@ -5926,6 +6028,28 @@
       </p:grpSpPr>
       <p:sp>
         <p:nvSpPr>
+          <p:cNvPr id="2" name="Title 1"/>
+          <p:cNvSpPr>
+            <a:spLocks noGrp="1"/>
+          </p:cNvSpPr>
+          <p:nvPr>
+            <p:ph type="title"/>
+          </p:nvPr>
+        </p:nvSpPr>
+        <p:spPr/>
+        <p:txBody>
+          <a:bodyPr/>
+          <a:lstStyle/>
+          <a:p>
+            <a:r>
+              <a:rPr lang="en-US" dirty="0"/>
+              <a:t>Solutions </a:t>
+            </a:r>
+          </a:p>
+        </p:txBody>
+      </p:sp>
+      <p:sp>
+        <p:nvSpPr>
           <p:cNvPr id="3" name="Content Placeholder 2"/>
           <p:cNvSpPr>
             <a:spLocks noGrp="1"/>
@@ -5936,60 +6060,53 @@
         </p:nvSpPr>
         <p:spPr>
           <a:xfrm>
-            <a:off x="0" y="1295400"/>
-            <a:ext cx="8915400" cy="4953000"/>
+            <a:off x="0" y="1371600"/>
+            <a:ext cx="8839200" cy="5486400"/>
           </a:xfrm>
         </p:spPr>
         <p:txBody>
-          <a:bodyPr>
-            <a:normAutofit/>
-          </a:bodyPr>
+          <a:bodyPr/>
           <a:lstStyle/>
           <a:p>
             <a:pPr marL="514350" indent="-514350" algn="just">
               <a:buFont typeface="+mj-lt"/>
-              <a:buAutoNum type="arabicPeriod" startAt="2"/>
+              <a:buAutoNum type="arabicPeriod"/>
             </a:pPr>
             <a:r>
               <a:rPr lang="en-US" b="1" dirty="0"/>
-              <a:t>Split Horizon:</a:t>
+              <a:t>Defining Infinity</a:t>
+            </a:r>
+            <a:r>
+              <a:rPr lang="en-US" dirty="0"/>
+              <a:t>: </a:t>
             </a:r>
           </a:p>
           <a:p>
             <a:pPr lvl="1" algn="just"/>
             <a:r>
               <a:rPr lang="en-US" dirty="0"/>
-              <a:t>Another solution is called </a:t>
-            </a:r>
-            <a:r>
-              <a:rPr lang="en-US" b="1" dirty="0"/>
-              <a:t>split horizon</a:t>
-            </a:r>
-            <a:r>
-              <a:rPr lang="en-US" dirty="0"/>
-              <a:t>. In this strategy, instead </a:t>
-            </a:r>
-            <a:r>
-              <a:rPr lang="en-US"/>
-              <a:t>of flooding </a:t>
-            </a:r>
-            <a:r>
-              <a:rPr lang="en-US" dirty="0"/>
-              <a:t>the table through each interface, each node sends only part of its table through each interface.</a:t>
+              <a:t>The first obvious solution is to redefine infinity to a smaller number, such as 100.</a:t>
             </a:r>
           </a:p>
           <a:p>
             <a:pPr lvl="1" algn="just"/>
             <a:r>
               <a:rPr lang="en-US" dirty="0"/>
-              <a:t> If, according to its table, node B thinks that the optimum route to reach X is via A, it does not need to advertise this piece of information to A;</a:t>
+              <a:t>As a matter of fact, most implementations of the distance vector protocol define the distance between each node to be 1 and define 16 as infinity.</a:t>
             </a:r>
           </a:p>
           <a:p>
             <a:pPr lvl="1" algn="just"/>
             <a:r>
               <a:rPr lang="en-US" dirty="0"/>
-              <a:t> the information has come from A (A already knows). Taking information from node A, modifying it, and sending it back to node A creates the confusion. In our scenario, node B eliminates the last line of its routing table before it sends it to A. In this case, node A keeps the value of infinity as the distance to X.</a:t>
+              <a:t>However, this means that the distance vector routing cannot be used in large systems. </a:t>
+            </a:r>
+          </a:p>
+          <a:p>
+            <a:pPr lvl="1" algn="just"/>
+            <a:r>
+              <a:rPr lang="en-US" dirty="0"/>
+              <a:t>The size of the network, in each direction, cannot exceed 15 hops. </a:t>
             </a:r>
           </a:p>
         </p:txBody>
@@ -5997,7 +6114,7 @@
     </p:spTree>
     <p:extLst>
       <p:ext uri="{BB962C8B-B14F-4D97-AF65-F5344CB8AC3E}">
-        <p14:creationId xmlns:p14="http://schemas.microsoft.com/office/powerpoint/2010/main" val="2410242081"/>
+        <p14:creationId xmlns:p14="http://schemas.microsoft.com/office/powerpoint/2010/main" val="2419853340"/>
       </p:ext>
     </p:extLst>
   </p:cSld>
@@ -6036,6 +6153,106 @@
         </p:nvSpPr>
         <p:spPr>
           <a:xfrm>
+            <a:off x="0" y="1295400"/>
+            <a:ext cx="8915400" cy="4953000"/>
+          </a:xfrm>
+        </p:spPr>
+        <p:txBody>
+          <a:bodyPr>
+            <a:normAutofit/>
+          </a:bodyPr>
+          <a:lstStyle/>
+          <a:p>
+            <a:pPr marL="514350" indent="-514350" algn="just">
+              <a:buFont typeface="+mj-lt"/>
+              <a:buAutoNum type="arabicPeriod" startAt="2"/>
+            </a:pPr>
+            <a:r>
+              <a:rPr lang="en-US" b="1" dirty="0"/>
+              <a:t>Split Horizon:</a:t>
+            </a:r>
+          </a:p>
+          <a:p>
+            <a:pPr lvl="1" algn="just"/>
+            <a:r>
+              <a:rPr lang="en-US" dirty="0"/>
+              <a:t>Another solution is called </a:t>
+            </a:r>
+            <a:r>
+              <a:rPr lang="en-US" b="1" dirty="0"/>
+              <a:t>split horizon</a:t>
+            </a:r>
+            <a:r>
+              <a:rPr lang="en-US" dirty="0"/>
+              <a:t>. In this strategy, instead </a:t>
+            </a:r>
+            <a:r>
+              <a:rPr lang="en-US"/>
+              <a:t>of flooding </a:t>
+            </a:r>
+            <a:r>
+              <a:rPr lang="en-US" dirty="0"/>
+              <a:t>the table through each interface, each node sends only part of its table through each interface.</a:t>
+            </a:r>
+          </a:p>
+          <a:p>
+            <a:pPr lvl="1" algn="just"/>
+            <a:r>
+              <a:rPr lang="en-US" dirty="0"/>
+              <a:t> If, according to its table, node B thinks that the optimum route to reach X is via A, it does not need to advertise this piece of information to A;</a:t>
+            </a:r>
+          </a:p>
+          <a:p>
+            <a:pPr lvl="1" algn="just"/>
+            <a:r>
+              <a:rPr lang="en-US" dirty="0"/>
+              <a:t> the information has come from A (A already knows). Taking information from node A, modifying it, and sending it back to node A creates the confusion. In our scenario, node B eliminates the last line of its routing table before it sends it to A. In this case, node A keeps the value of infinity as the distance to X.</a:t>
+            </a:r>
+          </a:p>
+        </p:txBody>
+      </p:sp>
+    </p:spTree>
+    <p:extLst>
+      <p:ext uri="{BB962C8B-B14F-4D97-AF65-F5344CB8AC3E}">
+        <p14:creationId xmlns:p14="http://schemas.microsoft.com/office/powerpoint/2010/main" val="2410242081"/>
+      </p:ext>
+    </p:extLst>
+  </p:cSld>
+  <p:clrMapOvr>
+    <a:masterClrMapping/>
+  </p:clrMapOvr>
+</p:sld>
+</file>
+
+<file path=ppt/slides/slide29.xml><?xml version="1.0" encoding="utf-8"?>
+<p:sld xmlns:a="http://schemas.openxmlformats.org/drawingml/2006/main" xmlns:r="http://schemas.openxmlformats.org/officeDocument/2006/relationships" xmlns:p="http://schemas.openxmlformats.org/presentationml/2006/main">
+  <p:cSld>
+    <p:spTree>
+      <p:nvGrpSpPr>
+        <p:cNvPr id="1" name=""/>
+        <p:cNvGrpSpPr/>
+        <p:nvPr/>
+      </p:nvGrpSpPr>
+      <p:grpSpPr>
+        <a:xfrm>
+          <a:off x="0" y="0"/>
+          <a:ext cx="0" cy="0"/>
+          <a:chOff x="0" y="0"/>
+          <a:chExt cx="0" cy="0"/>
+        </a:xfrm>
+      </p:grpSpPr>
+      <p:sp>
+        <p:nvSpPr>
+          <p:cNvPr id="3" name="Content Placeholder 2"/>
+          <p:cNvSpPr>
+            <a:spLocks noGrp="1"/>
+          </p:cNvSpPr>
+          <p:nvPr>
+            <p:ph idx="1"/>
+          </p:nvPr>
+        </p:nvSpPr>
+        <p:spPr>
+          <a:xfrm>
             <a:off x="-5918" y="1371600"/>
             <a:ext cx="8991600" cy="2514600"/>
           </a:xfrm>
@@ -6075,7 +6292,99 @@
 </p:sld>
 </file>
 
-<file path=ppt/slides/slide29.xml><?xml version="1.0" encoding="utf-8"?>
+<file path=ppt/slides/slide3.xml><?xml version="1.0" encoding="utf-8"?>
+<p:sld xmlns:a="http://schemas.openxmlformats.org/drawingml/2006/main" xmlns:r="http://schemas.openxmlformats.org/officeDocument/2006/relationships" xmlns:p="http://schemas.openxmlformats.org/presentationml/2006/main">
+  <p:cSld>
+    <p:spTree>
+      <p:nvGrpSpPr>
+        <p:cNvPr id="1" name=""/>
+        <p:cNvGrpSpPr/>
+        <p:nvPr/>
+      </p:nvGrpSpPr>
+      <p:grpSpPr>
+        <a:xfrm>
+          <a:off x="0" y="0"/>
+          <a:ext cx="0" cy="0"/>
+          <a:chOff x="0" y="0"/>
+          <a:chExt cx="0" cy="0"/>
+        </a:xfrm>
+      </p:grpSpPr>
+      <p:sp>
+        <p:nvSpPr>
+          <p:cNvPr id="3" name="Content Placeholder 2"/>
+          <p:cNvSpPr>
+            <a:spLocks noGrp="1"/>
+          </p:cNvSpPr>
+          <p:nvPr>
+            <p:ph idx="1"/>
+          </p:nvPr>
+        </p:nvSpPr>
+        <p:spPr>
+          <a:xfrm>
+            <a:off x="228600" y="762000"/>
+            <a:ext cx="8610600" cy="6096000"/>
+          </a:xfrm>
+        </p:spPr>
+        <p:txBody>
+          <a:bodyPr/>
+          <a:lstStyle/>
+          <a:p>
+            <a:pPr algn="just"/>
+            <a:r>
+              <a:rPr lang="en-US" dirty="0"/>
+              <a:t>Certain properties are desirable in a routing algorithm: correctness, simplicity, robustness, stability, fairness, and optimality. </a:t>
+            </a:r>
+          </a:p>
+          <a:p>
+            <a:r>
+              <a:rPr lang="en-US" dirty="0"/>
+              <a:t>Routing algorithms can be grouped into two major classes: </a:t>
+            </a:r>
+            <a:r>
+              <a:rPr lang="en-US" b="1" dirty="0"/>
+              <a:t>non-adaptive and adaptive. </a:t>
+            </a:r>
+          </a:p>
+          <a:p>
+            <a:r>
+              <a:rPr lang="en-US" b="1" dirty="0"/>
+              <a:t>Non-adaptive algorithms </a:t>
+            </a:r>
+          </a:p>
+          <a:p>
+            <a:pPr lvl="1" algn="just"/>
+            <a:r>
+              <a:rPr lang="en-US" dirty="0"/>
+              <a:t>Do not base their routing decisions on measurements or estimates of the current traffic and topology. </a:t>
+            </a:r>
+          </a:p>
+          <a:p>
+            <a:pPr lvl="1" algn="just"/>
+            <a:r>
+              <a:rPr lang="en-US" dirty="0"/>
+              <a:t>Instead, the choice of the route to use to get from I to J (for all I and J) is computed in advance, off-line, and downloaded to the routers when the network is booted. This procedure is sometimes called </a:t>
+            </a:r>
+            <a:r>
+              <a:rPr lang="en-US" b="1" dirty="0"/>
+              <a:t>static routing. </a:t>
+            </a:r>
+          </a:p>
+        </p:txBody>
+      </p:sp>
+    </p:spTree>
+    <p:extLst>
+      <p:ext uri="{BB962C8B-B14F-4D97-AF65-F5344CB8AC3E}">
+        <p14:creationId xmlns:p14="http://schemas.microsoft.com/office/powerpoint/2010/main" val="1494867247"/>
+      </p:ext>
+    </p:extLst>
+  </p:cSld>
+  <p:clrMapOvr>
+    <a:masterClrMapping/>
+  </p:clrMapOvr>
+</p:sld>
+</file>
+
+<file path=ppt/slides/slide30.xml><?xml version="1.0" encoding="utf-8"?>
 <p:sld xmlns:a="http://schemas.openxmlformats.org/drawingml/2006/main" xmlns:r="http://schemas.openxmlformats.org/officeDocument/2006/relationships" xmlns:p="http://schemas.openxmlformats.org/presentationml/2006/main">
   <p:cSld>
     <p:spTree>
@@ -6170,99 +6479,7 @@
 </p:sld>
 </file>
 
-<file path=ppt/slides/slide3.xml><?xml version="1.0" encoding="utf-8"?>
-<p:sld xmlns:a="http://schemas.openxmlformats.org/drawingml/2006/main" xmlns:r="http://schemas.openxmlformats.org/officeDocument/2006/relationships" xmlns:p="http://schemas.openxmlformats.org/presentationml/2006/main">
-  <p:cSld>
-    <p:spTree>
-      <p:nvGrpSpPr>
-        <p:cNvPr id="1" name=""/>
-        <p:cNvGrpSpPr/>
-        <p:nvPr/>
-      </p:nvGrpSpPr>
-      <p:grpSpPr>
-        <a:xfrm>
-          <a:off x="0" y="0"/>
-          <a:ext cx="0" cy="0"/>
-          <a:chOff x="0" y="0"/>
-          <a:chExt cx="0" cy="0"/>
-        </a:xfrm>
-      </p:grpSpPr>
-      <p:sp>
-        <p:nvSpPr>
-          <p:cNvPr id="3" name="Content Placeholder 2"/>
-          <p:cNvSpPr>
-            <a:spLocks noGrp="1"/>
-          </p:cNvSpPr>
-          <p:nvPr>
-            <p:ph idx="1"/>
-          </p:nvPr>
-        </p:nvSpPr>
-        <p:spPr>
-          <a:xfrm>
-            <a:off x="228600" y="762000"/>
-            <a:ext cx="8610600" cy="6096000"/>
-          </a:xfrm>
-        </p:spPr>
-        <p:txBody>
-          <a:bodyPr/>
-          <a:lstStyle/>
-          <a:p>
-            <a:pPr algn="just"/>
-            <a:r>
-              <a:rPr lang="en-US" dirty="0"/>
-              <a:t>Certain properties are desirable in a routing algorithm: correctness, simplicity, robustness, stability, fairness, and optimality. </a:t>
-            </a:r>
-          </a:p>
-          <a:p>
-            <a:r>
-              <a:rPr lang="en-US" dirty="0"/>
-              <a:t>Routing algorithms can be grouped into two major classes: </a:t>
-            </a:r>
-            <a:r>
-              <a:rPr lang="en-US" b="1" dirty="0"/>
-              <a:t>non-adaptive and adaptive. </a:t>
-            </a:r>
-          </a:p>
-          <a:p>
-            <a:r>
-              <a:rPr lang="en-US" b="1" dirty="0"/>
-              <a:t>Non-adaptive algorithms </a:t>
-            </a:r>
-          </a:p>
-          <a:p>
-            <a:pPr lvl="1" algn="just"/>
-            <a:r>
-              <a:rPr lang="en-US" dirty="0"/>
-              <a:t>Do not base their routing decisions on measurements or estimates of the current traffic and topology. </a:t>
-            </a:r>
-          </a:p>
-          <a:p>
-            <a:pPr lvl="1" algn="just"/>
-            <a:r>
-              <a:rPr lang="en-US" dirty="0"/>
-              <a:t>Instead, the choice of the route to use to get from I to J (for all I and J) is computed in advance, off-line, and downloaded to the routers when the network is booted. This procedure is sometimes called </a:t>
-            </a:r>
-            <a:r>
-              <a:rPr lang="en-US" b="1" dirty="0"/>
-              <a:t>static routing. </a:t>
-            </a:r>
-          </a:p>
-        </p:txBody>
-      </p:sp>
-    </p:spTree>
-    <p:extLst>
-      <p:ext uri="{BB962C8B-B14F-4D97-AF65-F5344CB8AC3E}">
-        <p14:creationId xmlns:p14="http://schemas.microsoft.com/office/powerpoint/2010/main" val="1494867247"/>
-      </p:ext>
-    </p:extLst>
-  </p:cSld>
-  <p:clrMapOvr>
-    <a:masterClrMapping/>
-  </p:clrMapOvr>
-</p:sld>
-</file>
-
-<file path=ppt/slides/slide30.xml><?xml version="1.0" encoding="utf-8"?>
+<file path=ppt/slides/slide31.xml><?xml version="1.0" encoding="utf-8"?>
 <p:sld xmlns:a="http://schemas.openxmlformats.org/drawingml/2006/main" xmlns:r="http://schemas.openxmlformats.org/officeDocument/2006/relationships" xmlns:p="http://schemas.openxmlformats.org/presentationml/2006/main">
   <p:cSld>
     <p:spTree>
@@ -6989,9 +7206,9 @@
             </a:r>
           </a:p>
           <a:p>
-            <a:pPr algn="just"/>
-            <a:r>
-              <a:rPr lang="en-US" sz="2600" dirty="0"/>
+            <a:pPr lvl="1" algn="just"/>
+            <a:r>
+              <a:rPr lang="en-US" sz="2200" dirty="0"/>
               <a:t>Generates vast numbers of duplicate packets.</a:t>
             </a:r>
           </a:p>
